--- a/lesson_nav/Statistical-Inference/Chapter-1/Section-1-2/Presentation-1-2-2-Probability-Axioms-Explained.pptx
+++ b/lesson_nav/Statistical-Inference/Chapter-1/Section-1-2/Presentation-1-2-2-Probability-Axioms-Explained.pptx
@@ -122,7 +122,6 @@
       </a:defRPr>
     </a:lvl9pPr>
   </p:defaultTextStyle>
-  <p:modifyVerifier cryptProviderType="rsaAES" cryptAlgorithmClass="hash" cryptAlgorithmType="typeAny" cryptAlgorithmSid="14" spinCount="100000" saltData="d3Y2JzU/Vx/nQv6e259RNg==" hashData="SXBigokUnCqv+c1ANC5W7ulLIYr/2jvCVwDNZnP7/LNATMqBH0IQvJHqdjnIjzgJfVbQnRhS68G95X4EofxR7Q=="/>
   <p:extLst>
     <p:ext uri="{EFAFB233-063F-42B5-8137-9DF3F51BA10A}">
       <p15:sldGuideLst xmlns:p15="http://schemas.microsoft.com/office/powerpoint/2012/main"/>
@@ -236,7 +235,7 @@
           <a:p>
             <a:fld id="{6C97C45B-EE9E-430A-97B4-EA1003D56253}" type="datetimeFigureOut">
               <a:rPr lang="en-US" smtClean="0"/>
-              <a:t>2/23/2020</a:t>
+              <a:t>2/29/2020</a:t>
             </a:fld>
             <a:endParaRPr lang="en-US"/>
           </a:p>
@@ -413,7 +412,7 @@
           <a:p>
             <a:fld id="{9418EEB3-6E95-4294-BCBD-343443EE35B9}" type="datetimeFigureOut">
               <a:rPr lang="en-US" smtClean="0"/>
-              <a:t>2/23/2020</a:t>
+              <a:t>2/29/2020</a:t>
             </a:fld>
             <a:endParaRPr lang="en-US"/>
           </a:p>
@@ -1873,7 +1872,7 @@
           <a:p>
             <a:fld id="{20B8C0FC-AC24-409C-B650-FC1EBB24A2DD}" type="datetime1">
               <a:rPr lang="en-US" smtClean="0"/>
-              <a:t>2/23/2020</a:t>
+              <a:t>2/29/2020</a:t>
             </a:fld>
             <a:endParaRPr lang="en-US"/>
           </a:p>
@@ -2176,7 +2175,7 @@
           <a:p>
             <a:fld id="{F4429A99-A3D3-4320-8643-FA7F99F073CD}" type="datetime1">
               <a:rPr lang="en-US" smtClean="0"/>
-              <a:t>2/23/2020</a:t>
+              <a:t>2/29/2020</a:t>
             </a:fld>
             <a:endParaRPr lang="en-US"/>
           </a:p>
@@ -2368,7 +2367,7 @@
           <a:p>
             <a:fld id="{E624DDAC-3BF1-4CE6-9D35-0FE0C29DA1F8}" type="datetime1">
               <a:rPr lang="en-US" smtClean="0"/>
-              <a:t>2/23/2020</a:t>
+              <a:t>2/29/2020</a:t>
             </a:fld>
             <a:endParaRPr lang="en-US"/>
           </a:p>
@@ -2629,7 +2628,7 @@
           <a:p>
             <a:fld id="{38968246-C748-49DE-83B7-DD5C2BA4BE01}" type="datetime1">
               <a:rPr lang="en-US" smtClean="0"/>
-              <a:t>2/23/2020</a:t>
+              <a:t>2/29/2020</a:t>
             </a:fld>
             <a:endParaRPr lang="en-US"/>
           </a:p>
@@ -3053,7 +3052,7 @@
           <a:p>
             <a:fld id="{01FCCB2D-58CA-4AEC-8689-CEC60E8AD75D}" type="datetime1">
               <a:rPr lang="en-US" smtClean="0"/>
-              <a:t>2/23/2020</a:t>
+              <a:t>2/29/2020</a:t>
             </a:fld>
             <a:endParaRPr lang="en-US"/>
           </a:p>
@@ -3590,7 +3589,7 @@
           <a:p>
             <a:fld id="{82EC54DD-FCE5-4AB9-8DCD-8E5C69AAE5B0}" type="datetime1">
               <a:rPr lang="en-US" smtClean="0"/>
-              <a:t>2/23/2020</a:t>
+              <a:t>2/29/2020</a:t>
             </a:fld>
             <a:endParaRPr lang="en-US"/>
           </a:p>
@@ -4454,7 +4453,7 @@
           <a:p>
             <a:fld id="{4EFDF53E-4A48-4F9C-84B9-4D567765CD32}" type="datetime1">
               <a:rPr lang="en-US" smtClean="0"/>
-              <a:t>2/23/2020</a:t>
+              <a:t>2/29/2020</a:t>
             </a:fld>
             <a:endParaRPr lang="en-US"/>
           </a:p>
@@ -4624,7 +4623,7 @@
           <a:p>
             <a:fld id="{CDA1A237-C720-43D1-A133-1C8FD63D16D7}" type="datetime1">
               <a:rPr lang="en-US" smtClean="0"/>
-              <a:t>2/23/2020</a:t>
+              <a:t>2/29/2020</a:t>
             </a:fld>
             <a:endParaRPr lang="en-US"/>
           </a:p>
@@ -4808,7 +4807,7 @@
           <a:p>
             <a:fld id="{6B0D6911-4A8F-48D3-8B29-8E7EE64D5590}" type="datetime1">
               <a:rPr lang="en-US" smtClean="0"/>
-              <a:t>2/23/2020</a:t>
+              <a:t>2/29/2020</a:t>
             </a:fld>
             <a:endParaRPr lang="en-US"/>
           </a:p>
@@ -4978,7 +4977,7 @@
           <a:p>
             <a:fld id="{D7F582EB-1DEF-41D5-88A7-D5384EF0928B}" type="datetime1">
               <a:rPr lang="en-US" smtClean="0"/>
-              <a:t>2/23/2020</a:t>
+              <a:t>2/29/2020</a:t>
             </a:fld>
             <a:endParaRPr lang="en-US"/>
           </a:p>
@@ -5222,7 +5221,7 @@
           <a:p>
             <a:fld id="{71A567DF-D947-4E81-8E9C-7E122B98996D}" type="datetime1">
               <a:rPr lang="en-US" smtClean="0"/>
-              <a:t>2/23/2020</a:t>
+              <a:t>2/29/2020</a:t>
             </a:fld>
             <a:endParaRPr lang="en-US"/>
           </a:p>
@@ -5458,7 +5457,7 @@
           <a:p>
             <a:fld id="{154E6867-4A80-4FDC-AE16-693239537245}" type="datetime1">
               <a:rPr lang="en-US" smtClean="0"/>
-              <a:t>2/23/2020</a:t>
+              <a:t>2/29/2020</a:t>
             </a:fld>
             <a:endParaRPr lang="en-US"/>
           </a:p>
@@ -5924,7 +5923,7 @@
           <a:p>
             <a:fld id="{2D9F58DC-2E2F-4978-B94F-8F30B3D153AC}" type="datetime1">
               <a:rPr lang="en-US" smtClean="0"/>
-              <a:t>2/23/2020</a:t>
+              <a:t>2/29/2020</a:t>
             </a:fld>
             <a:endParaRPr lang="en-US"/>
           </a:p>
@@ -6042,7 +6041,7 @@
           <a:p>
             <a:fld id="{D7398EDB-2E39-4341-93F2-E8CC9041DD01}" type="datetime1">
               <a:rPr lang="en-US" smtClean="0"/>
-              <a:t>2/23/2020</a:t>
+              <a:t>2/29/2020</a:t>
             </a:fld>
             <a:endParaRPr lang="en-US"/>
           </a:p>
@@ -6137,7 +6136,7 @@
           <a:p>
             <a:fld id="{B7C1A445-4647-4EBD-B74F-2A768D05107F}" type="datetime1">
               <a:rPr lang="en-US" smtClean="0"/>
-              <a:t>2/23/2020</a:t>
+              <a:t>2/29/2020</a:t>
             </a:fld>
             <a:endParaRPr lang="en-US"/>
           </a:p>
@@ -6392,7 +6391,7 @@
           <a:p>
             <a:fld id="{5621FE62-799A-4010-853A-5DC70F8FCC13}" type="datetime1">
               <a:rPr lang="en-US" smtClean="0"/>
-              <a:t>2/23/2020</a:t>
+              <a:t>2/29/2020</a:t>
             </a:fld>
             <a:endParaRPr lang="en-US"/>
           </a:p>
@@ -6692,7 +6691,7 @@
           <a:p>
             <a:fld id="{4238DABB-EFB4-4717-B9D5-F6AFD6D65745}" type="datetime1">
               <a:rPr lang="en-US" smtClean="0"/>
-              <a:t>2/23/2020</a:t>
+              <a:t>2/29/2020</a:t>
             </a:fld>
             <a:endParaRPr lang="en-US"/>
           </a:p>
@@ -6978,7 +6977,7 @@
           <a:p>
             <a:fld id="{9ED8BB69-9541-4E9D-B5C6-A318E2F70882}" type="datetime1">
               <a:rPr lang="en-US" smtClean="0"/>
-              <a:t>2/23/2020</a:t>
+              <a:t>2/29/2020</a:t>
             </a:fld>
             <a:endParaRPr lang="en-US"/>
           </a:p>
